--- a/inst/templates/report.pptx
+++ b/inst/templates/report.pptx
@@ -262,7 +262,7 @@
           <a:p>
             <a:fld id="{6AAE82E6-315D-BA41-ACA3-E92985A89493}" type="datetimeFigureOut">
               <a:rPr lang="en-US" smtClean="0"/>
-              <a:t>5/10/24</a:t>
+              <a:t>4/7/25</a:t>
             </a:fld>
             <a:endParaRPr lang="en-US"/>
           </a:p>
@@ -556,7 +556,7 @@
           <a:p>
             <a:fld id="{6AAE82E6-315D-BA41-ACA3-E92985A89493}" type="datetimeFigureOut">
               <a:rPr lang="en-US" smtClean="0"/>
-              <a:t>5/10/24</a:t>
+              <a:t>4/7/25</a:t>
             </a:fld>
             <a:endParaRPr lang="en-US"/>
           </a:p>
@@ -697,7 +697,7 @@
           <a:p>
             <a:fld id="{6AAE82E6-315D-BA41-ACA3-E92985A89493}" type="datetimeFigureOut">
               <a:rPr lang="en-US" smtClean="0"/>
-              <a:t>5/10/24</a:t>
+              <a:t>4/7/25</a:t>
             </a:fld>
             <a:endParaRPr lang="en-US"/>
           </a:p>
@@ -831,7 +831,12 @@
             <p:ph idx="1"/>
           </p:nvPr>
         </p:nvSpPr>
-        <p:spPr/>
+        <p:spPr>
+          <a:xfrm>
+            <a:off x="838200" y="1395663"/>
+            <a:ext cx="10515600" cy="4781299"/>
+          </a:xfrm>
+        </p:spPr>
         <p:txBody>
           <a:bodyPr/>
           <a:lstStyle>
@@ -916,7 +921,7 @@
           <a:p>
             <a:fld id="{6AAE82E6-315D-BA41-ACA3-E92985A89493}" type="datetimeFigureOut">
               <a:rPr lang="en-US" smtClean="0"/>
-              <a:t>5/10/24</a:t>
+              <a:t>4/7/25</a:t>
             </a:fld>
             <a:endParaRPr lang="en-US"/>
           </a:p>
@@ -994,7 +999,7 @@
         </p:nvSpPr>
         <p:spPr>
           <a:xfrm>
-            <a:off x="838199" y="1292066"/>
+            <a:off x="838201" y="681038"/>
             <a:ext cx="10515599" cy="483725"/>
           </a:xfrm>
         </p:spPr>
@@ -1122,7 +1127,12 @@
             <p:ph idx="1"/>
           </p:nvPr>
         </p:nvSpPr>
-        <p:spPr/>
+        <p:spPr>
+          <a:xfrm>
+            <a:off x="838200" y="1414915"/>
+            <a:ext cx="10515600" cy="4762048"/>
+          </a:xfrm>
+        </p:spPr>
         <p:txBody>
           <a:bodyPr/>
           <a:lstStyle/>
@@ -1186,7 +1196,7 @@
           <a:p>
             <a:fld id="{6AAE82E6-315D-BA41-ACA3-E92985A89493}" type="datetimeFigureOut">
               <a:rPr lang="en-US" smtClean="0"/>
-              <a:t>5/10/24</a:t>
+              <a:t>4/7/25</a:t>
             </a:fld>
             <a:endParaRPr lang="en-US"/>
           </a:p>
@@ -1264,7 +1274,7 @@
         </p:nvSpPr>
         <p:spPr>
           <a:xfrm>
-            <a:off x="838199" y="1292066"/>
+            <a:off x="838200" y="685781"/>
             <a:ext cx="10515599" cy="483725"/>
           </a:xfrm>
         </p:spPr>
@@ -1394,8 +1404,8 @@
         </p:nvSpPr>
         <p:spPr>
           <a:xfrm>
-            <a:off x="838200" y="1955177"/>
-            <a:ext cx="5181600" cy="4221785"/>
+            <a:off x="838200" y="1443789"/>
+            <a:ext cx="5181600" cy="4733173"/>
           </a:xfrm>
         </p:spPr>
         <p:txBody>
@@ -1456,8 +1466,8 @@
         </p:nvSpPr>
         <p:spPr>
           <a:xfrm>
-            <a:off x="6172200" y="1955177"/>
-            <a:ext cx="5181600" cy="4221786"/>
+            <a:off x="6172200" y="1443789"/>
+            <a:ext cx="5181600" cy="4733174"/>
           </a:xfrm>
         </p:spPr>
         <p:txBody>
@@ -1523,7 +1533,7 @@
           <a:p>
             <a:fld id="{6AAE82E6-315D-BA41-ACA3-E92985A89493}" type="datetimeFigureOut">
               <a:rPr lang="en-US" smtClean="0"/>
-              <a:t>5/10/24</a:t>
+              <a:t>4/7/25</a:t>
             </a:fld>
             <a:endParaRPr lang="en-US"/>
           </a:p>
@@ -1601,7 +1611,7 @@
         </p:nvSpPr>
         <p:spPr>
           <a:xfrm>
-            <a:off x="838199" y="1292066"/>
+            <a:off x="838200" y="685780"/>
             <a:ext cx="10515599" cy="483725"/>
           </a:xfrm>
         </p:spPr>
@@ -1731,8 +1741,8 @@
         </p:nvSpPr>
         <p:spPr>
           <a:xfrm>
-            <a:off x="838200" y="1955177"/>
-            <a:ext cx="5181600" cy="4221785"/>
+            <a:off x="838200" y="1434163"/>
+            <a:ext cx="5181600" cy="4742799"/>
           </a:xfrm>
         </p:spPr>
         <p:txBody>
@@ -1814,8 +1824,8 @@
         </p:nvSpPr>
         <p:spPr>
           <a:xfrm>
-            <a:off x="6172200" y="1955177"/>
-            <a:ext cx="5181600" cy="4221786"/>
+            <a:off x="6172200" y="1434164"/>
+            <a:ext cx="5181600" cy="4742799"/>
           </a:xfrm>
         </p:spPr>
         <p:txBody>
@@ -1902,7 +1912,7 @@
           <a:p>
             <a:fld id="{6AAE82E6-315D-BA41-ACA3-E92985A89493}" type="datetimeFigureOut">
               <a:rPr lang="en-US" smtClean="0"/>
-              <a:t>5/10/24</a:t>
+              <a:t>4/7/25</a:t>
             </a:fld>
             <a:endParaRPr lang="en-US"/>
           </a:p>
@@ -1980,7 +1990,7 @@
         </p:nvSpPr>
         <p:spPr>
           <a:xfrm>
-            <a:off x="838199" y="1292066"/>
+            <a:off x="838200" y="681037"/>
             <a:ext cx="10515599" cy="483725"/>
           </a:xfrm>
         </p:spPr>
@@ -2115,7 +2125,7 @@
         </p:nvSpPr>
         <p:spPr>
           <a:xfrm>
-            <a:off x="839788" y="1942477"/>
+            <a:off x="838199" y="1419316"/>
             <a:ext cx="5157787" cy="562597"/>
           </a:xfrm>
         </p:spPr>
@@ -2186,8 +2196,8 @@
         </p:nvSpPr>
         <p:spPr>
           <a:xfrm>
-            <a:off x="839788" y="2505075"/>
-            <a:ext cx="5157787" cy="3684588"/>
+            <a:off x="838199" y="1981913"/>
+            <a:ext cx="5157787" cy="4158133"/>
           </a:xfrm>
         </p:spPr>
         <p:txBody>
@@ -2248,7 +2258,7 @@
         </p:nvSpPr>
         <p:spPr>
           <a:xfrm>
-            <a:off x="6172200" y="1942477"/>
+            <a:off x="6170611" y="1419316"/>
             <a:ext cx="5183188" cy="562598"/>
           </a:xfrm>
         </p:spPr>
@@ -2319,8 +2329,8 @@
         </p:nvSpPr>
         <p:spPr>
           <a:xfrm>
-            <a:off x="6172200" y="2505075"/>
-            <a:ext cx="5183188" cy="3684588"/>
+            <a:off x="6170611" y="1981914"/>
+            <a:ext cx="5183188" cy="4158132"/>
           </a:xfrm>
         </p:spPr>
         <p:txBody>
@@ -2386,7 +2396,7 @@
           <a:p>
             <a:fld id="{6AAE82E6-315D-BA41-ACA3-E92985A89493}" type="datetimeFigureOut">
               <a:rPr lang="en-US" smtClean="0"/>
-              <a:t>5/10/24</a:t>
+              <a:t>4/7/25</a:t>
             </a:fld>
             <a:endParaRPr lang="en-US"/>
           </a:p>
@@ -2464,7 +2474,7 @@
         </p:nvSpPr>
         <p:spPr>
           <a:xfrm>
-            <a:off x="838199" y="1292066"/>
+            <a:off x="838200" y="717953"/>
             <a:ext cx="10515599" cy="483725"/>
           </a:xfrm>
         </p:spPr>
@@ -2599,7 +2609,7 @@
         </p:nvSpPr>
         <p:spPr>
           <a:xfrm>
-            <a:off x="839788" y="1942477"/>
+            <a:off x="838200" y="1404745"/>
             <a:ext cx="5157787" cy="562597"/>
           </a:xfrm>
         </p:spPr>
@@ -2670,8 +2680,8 @@
         </p:nvSpPr>
         <p:spPr>
           <a:xfrm>
-            <a:off x="839788" y="2505075"/>
-            <a:ext cx="5157787" cy="3684588"/>
+            <a:off x="838200" y="1967343"/>
+            <a:ext cx="5157787" cy="4217577"/>
           </a:xfrm>
         </p:spPr>
         <p:txBody>
@@ -2732,7 +2742,7 @@
         </p:nvSpPr>
         <p:spPr>
           <a:xfrm>
-            <a:off x="6172200" y="1942477"/>
+            <a:off x="6170612" y="1404745"/>
             <a:ext cx="5183188" cy="562598"/>
           </a:xfrm>
         </p:spPr>
@@ -2803,8 +2813,8 @@
         </p:nvSpPr>
         <p:spPr>
           <a:xfrm>
-            <a:off x="6172200" y="2505075"/>
-            <a:ext cx="5183188" cy="3684588"/>
+            <a:off x="6170612" y="1967342"/>
+            <a:ext cx="5183188" cy="4217577"/>
           </a:xfrm>
         </p:spPr>
         <p:txBody>
@@ -2870,7 +2880,7 @@
           <a:p>
             <a:fld id="{6AAE82E6-315D-BA41-ACA3-E92985A89493}" type="datetimeFigureOut">
               <a:rPr lang="en-US" smtClean="0"/>
-              <a:t>5/10/24</a:t>
+              <a:t>4/7/25</a:t>
             </a:fld>
             <a:endParaRPr lang="en-US"/>
           </a:p>
@@ -2948,7 +2958,7 @@
         </p:nvSpPr>
         <p:spPr>
           <a:xfrm>
-            <a:off x="838199" y="1292066"/>
+            <a:off x="838201" y="673080"/>
             <a:ext cx="10515599" cy="483725"/>
           </a:xfrm>
         </p:spPr>
@@ -3051,8 +3061,8 @@
         </p:nvSpPr>
         <p:spPr>
           <a:xfrm>
-            <a:off x="1" y="71994"/>
-            <a:ext cx="12192000" cy="1825625"/>
+            <a:off x="0" y="0"/>
+            <a:ext cx="12191999" cy="1252600"/>
           </a:xfrm>
           <a:prstGeom prst="rect">
             <a:avLst/>
@@ -3108,7 +3118,7 @@
         <p:spPr>
           <a:xfrm>
             <a:off x="838200" y="111125"/>
-            <a:ext cx="10515600" cy="1180941"/>
+            <a:ext cx="10515600" cy="569913"/>
           </a:xfrm>
           <a:prstGeom prst="rect">
             <a:avLst/>
@@ -3145,8 +3155,8 @@
         </p:nvSpPr>
         <p:spPr>
           <a:xfrm>
-            <a:off x="838200" y="1936749"/>
-            <a:ext cx="10515600" cy="4240213"/>
+            <a:off x="838200" y="1424539"/>
+            <a:ext cx="10515600" cy="4752423"/>
           </a:xfrm>
           <a:prstGeom prst="rect">
             <a:avLst/>
@@ -3235,7 +3245,7 @@
           <a:p>
             <a:fld id="{6AAE82E6-315D-BA41-ACA3-E92985A89493}" type="datetimeFigureOut">
               <a:rPr lang="en-US" smtClean="0"/>
-              <a:t>5/10/24</a:t>
+              <a:t>4/7/25</a:t>
             </a:fld>
             <a:endParaRPr lang="en-US"/>
           </a:p>
@@ -3345,8 +3355,8 @@
         </p:nvSpPr>
         <p:spPr>
           <a:xfrm>
-            <a:off x="0" y="1794746"/>
-            <a:ext cx="12192000" cy="104618"/>
+            <a:off x="0" y="1226579"/>
+            <a:ext cx="12191999" cy="104618"/>
           </a:xfrm>
           <a:prstGeom prst="rect">
             <a:avLst/>
